--- a/Project Poster.pptx
+++ b/Project Poster.pptx
@@ -118,7 +118,7 @@
 <file path=ppt/revisionInfo.xml><?xml version="1.0" encoding="utf-8"?>
 <p1510:revInfo xmlns:a="http://schemas.openxmlformats.org/drawingml/2006/main" xmlns:r="http://schemas.openxmlformats.org/officeDocument/2006/relationships" xmlns:p1510="http://schemas.microsoft.com/office/powerpoint/2015/10/main">
   <p1510:revLst>
-    <p1510:client id="{01F1FDBB-E548-4689-B6E9-9BB78E81F5C6}" v="14" dt="2021-04-13T20:25:47.976"/>
+    <p1510:client id="{01F1FDBB-E548-4689-B6E9-9BB78E81F5C6}" v="18" dt="2021-05-11T12:19:58.438"/>
   </p1510:revLst>
 </p1510:revInfo>
 </file>
@@ -1839,18 +1839,18 @@
   <pc:docChgLst>
     <pc:chgData name="SEAN O SHAUGHNESSY" userId="a004033b-e469-4598-a356-e8f21e5794ca" providerId="ADAL" clId="{01F1FDBB-E548-4689-B6E9-9BB78E81F5C6}"/>
     <pc:docChg chg="undo custSel modSld">
-      <pc:chgData name="SEAN O SHAUGHNESSY" userId="a004033b-e469-4598-a356-e8f21e5794ca" providerId="ADAL" clId="{01F1FDBB-E548-4689-B6E9-9BB78E81F5C6}" dt="2021-04-20T09:10:51.682" v="294" actId="1076"/>
+      <pc:chgData name="SEAN O SHAUGHNESSY" userId="a004033b-e469-4598-a356-e8f21e5794ca" providerId="ADAL" clId="{01F1FDBB-E548-4689-B6E9-9BB78E81F5C6}" dt="2021-05-11T12:23:30.873" v="439" actId="1076"/>
       <pc:docMkLst>
         <pc:docMk/>
       </pc:docMkLst>
       <pc:sldChg chg="addSp delSp modSp mod">
-        <pc:chgData name="SEAN O SHAUGHNESSY" userId="a004033b-e469-4598-a356-e8f21e5794ca" providerId="ADAL" clId="{01F1FDBB-E548-4689-B6E9-9BB78E81F5C6}" dt="2021-04-20T09:10:51.682" v="294" actId="1076"/>
+        <pc:chgData name="SEAN O SHAUGHNESSY" userId="a004033b-e469-4598-a356-e8f21e5794ca" providerId="ADAL" clId="{01F1FDBB-E548-4689-B6E9-9BB78E81F5C6}" dt="2021-05-11T12:23:30.873" v="439" actId="1076"/>
         <pc:sldMkLst>
           <pc:docMk/>
           <pc:sldMk cId="3380413336" sldId="256"/>
         </pc:sldMkLst>
         <pc:spChg chg="mod">
-          <ac:chgData name="SEAN O SHAUGHNESSY" userId="a004033b-e469-4598-a356-e8f21e5794ca" providerId="ADAL" clId="{01F1FDBB-E548-4689-B6E9-9BB78E81F5C6}" dt="2021-04-13T20:31:25.802" v="276" actId="1076"/>
+          <ac:chgData name="SEAN O SHAUGHNESSY" userId="a004033b-e469-4598-a356-e8f21e5794ca" providerId="ADAL" clId="{01F1FDBB-E548-4689-B6E9-9BB78E81F5C6}" dt="2021-05-11T12:23:30.873" v="439" actId="1076"/>
           <ac:spMkLst>
             <pc:docMk/>
             <pc:sldMk cId="3380413336" sldId="256"/>
@@ -1858,7 +1858,7 @@
           </ac:spMkLst>
         </pc:spChg>
         <pc:spChg chg="mod">
-          <ac:chgData name="SEAN O SHAUGHNESSY" userId="a004033b-e469-4598-a356-e8f21e5794ca" providerId="ADAL" clId="{01F1FDBB-E548-4689-B6E9-9BB78E81F5C6}" dt="2021-04-13T20:32:24.561" v="288" actId="1076"/>
+          <ac:chgData name="SEAN O SHAUGHNESSY" userId="a004033b-e469-4598-a356-e8f21e5794ca" providerId="ADAL" clId="{01F1FDBB-E548-4689-B6E9-9BB78E81F5C6}" dt="2021-05-11T12:22:46.220" v="429" actId="1076"/>
           <ac:spMkLst>
             <pc:docMk/>
             <pc:sldMk cId="3380413336" sldId="256"/>
@@ -1866,7 +1866,7 @@
           </ac:spMkLst>
         </pc:spChg>
         <pc:spChg chg="mod">
-          <ac:chgData name="SEAN O SHAUGHNESSY" userId="a004033b-e469-4598-a356-e8f21e5794ca" providerId="ADAL" clId="{01F1FDBB-E548-4689-B6E9-9BB78E81F5C6}" dt="2021-04-20T09:10:51.682" v="294" actId="1076"/>
+          <ac:chgData name="SEAN O SHAUGHNESSY" userId="a004033b-e469-4598-a356-e8f21e5794ca" providerId="ADAL" clId="{01F1FDBB-E548-4689-B6E9-9BB78E81F5C6}" dt="2021-05-11T12:18:51.430" v="375" actId="1076"/>
           <ac:spMkLst>
             <pc:docMk/>
             <pc:sldMk cId="3380413336" sldId="256"/>
@@ -1905,20 +1905,44 @@
             <ac:picMk id="4" creationId="{5AC9F2A2-F190-4C32-A2E8-1286A0012D10}"/>
           </ac:picMkLst>
         </pc:picChg>
-        <pc:picChg chg="add mod">
-          <ac:chgData name="SEAN O SHAUGHNESSY" userId="a004033b-e469-4598-a356-e8f21e5794ca" providerId="ADAL" clId="{01F1FDBB-E548-4689-B6E9-9BB78E81F5C6}" dt="2021-04-20T09:10:29.552" v="291" actId="1076"/>
+        <pc:picChg chg="add mod modCrop">
+          <ac:chgData name="SEAN O SHAUGHNESSY" userId="a004033b-e469-4598-a356-e8f21e5794ca" providerId="ADAL" clId="{01F1FDBB-E548-4689-B6E9-9BB78E81F5C6}" dt="2021-05-11T12:21:20.218" v="400" actId="1076"/>
+          <ac:picMkLst>
+            <pc:docMk/>
+            <pc:sldMk cId="3380413336" sldId="256"/>
+            <ac:picMk id="4" creationId="{6B69DDD4-4176-4029-88B2-3400CD2ABE77}"/>
+          </ac:picMkLst>
+        </pc:picChg>
+        <pc:picChg chg="add del mod">
+          <ac:chgData name="SEAN O SHAUGHNESSY" userId="a004033b-e469-4598-a356-e8f21e5794ca" providerId="ADAL" clId="{01F1FDBB-E548-4689-B6E9-9BB78E81F5C6}" dt="2021-05-10T13:34:43.385" v="331" actId="478"/>
           <ac:picMkLst>
             <pc:docMk/>
             <pc:sldMk cId="3380413336" sldId="256"/>
             <ac:picMk id="5" creationId="{37960366-151B-4B2C-9CE4-7EBE52A330AB}"/>
           </ac:picMkLst>
         </pc:picChg>
-        <pc:picChg chg="add mod">
-          <ac:chgData name="SEAN O SHAUGHNESSY" userId="a004033b-e469-4598-a356-e8f21e5794ca" providerId="ADAL" clId="{01F1FDBB-E548-4689-B6E9-9BB78E81F5C6}" dt="2021-04-20T09:10:47.711" v="293" actId="1076"/>
+        <pc:picChg chg="add del mod">
+          <ac:chgData name="SEAN O SHAUGHNESSY" userId="a004033b-e469-4598-a356-e8f21e5794ca" providerId="ADAL" clId="{01F1FDBB-E548-4689-B6E9-9BB78E81F5C6}" dt="2021-05-11T12:17:56.312" v="355" actId="478"/>
+          <ac:picMkLst>
+            <pc:docMk/>
+            <pc:sldMk cId="3380413336" sldId="256"/>
+            <ac:picMk id="5" creationId="{ABC078F8-7B2A-43F4-BE64-44BFEC37B87E}"/>
+          </ac:picMkLst>
+        </pc:picChg>
+        <pc:picChg chg="add del mod">
+          <ac:chgData name="SEAN O SHAUGHNESSY" userId="a004033b-e469-4598-a356-e8f21e5794ca" providerId="ADAL" clId="{01F1FDBB-E548-4689-B6E9-9BB78E81F5C6}" dt="2021-05-10T13:23:35.993" v="315" actId="478"/>
           <ac:picMkLst>
             <pc:docMk/>
             <pc:sldMk cId="3380413336" sldId="256"/>
             <ac:picMk id="9" creationId="{5C8D146C-D026-40AE-B27B-25FE275958DA}"/>
+          </ac:picMkLst>
+        </pc:picChg>
+        <pc:picChg chg="add mod modCrop">
+          <ac:chgData name="SEAN O SHAUGHNESSY" userId="a004033b-e469-4598-a356-e8f21e5794ca" providerId="ADAL" clId="{01F1FDBB-E548-4689-B6E9-9BB78E81F5C6}" dt="2021-05-11T12:23:22.601" v="438" actId="1076"/>
+          <ac:picMkLst>
+            <pc:docMk/>
+            <pc:sldMk cId="3380413336" sldId="256"/>
+            <ac:picMk id="10" creationId="{571716E6-0F94-4264-98F2-65810B73E1F5}"/>
           </ac:picMkLst>
         </pc:picChg>
         <pc:picChg chg="add del mod">
@@ -1937,20 +1961,52 @@
             <ac:picMk id="11" creationId="{6D357793-6D6D-4765-9081-B29649853713}"/>
           </ac:picMkLst>
         </pc:picChg>
-        <pc:picChg chg="mod">
-          <ac:chgData name="SEAN O SHAUGHNESSY" userId="a004033b-e469-4598-a356-e8f21e5794ca" providerId="ADAL" clId="{01F1FDBB-E548-4689-B6E9-9BB78E81F5C6}" dt="2021-04-20T09:10:42.377" v="292" actId="14100"/>
+        <pc:picChg chg="add mod">
+          <ac:chgData name="SEAN O SHAUGHNESSY" userId="a004033b-e469-4598-a356-e8f21e5794ca" providerId="ADAL" clId="{01F1FDBB-E548-4689-B6E9-9BB78E81F5C6}" dt="2021-05-11T12:18:47.926" v="374" actId="1076"/>
+          <ac:picMkLst>
+            <pc:docMk/>
+            <pc:sldMk cId="3380413336" sldId="256"/>
+            <ac:picMk id="11" creationId="{7311FD27-72C0-40D4-B8D4-C4591CCD8433}"/>
+          </ac:picMkLst>
+        </pc:picChg>
+        <pc:picChg chg="add del mod">
+          <ac:chgData name="SEAN O SHAUGHNESSY" userId="a004033b-e469-4598-a356-e8f21e5794ca" providerId="ADAL" clId="{01F1FDBB-E548-4689-B6E9-9BB78E81F5C6}" dt="2021-05-11T12:21:05.473" v="396" actId="478"/>
+          <ac:picMkLst>
+            <pc:docMk/>
+            <pc:sldMk cId="3380413336" sldId="256"/>
+            <ac:picMk id="14" creationId="{080678A4-7A7C-4F60-A882-F9F18006E070}"/>
+          </ac:picMkLst>
+        </pc:picChg>
+        <pc:picChg chg="del mod">
+          <ac:chgData name="SEAN O SHAUGHNESSY" userId="a004033b-e469-4598-a356-e8f21e5794ca" providerId="ADAL" clId="{01F1FDBB-E548-4689-B6E9-9BB78E81F5C6}" dt="2021-05-10T13:22:54.018" v="300" actId="478"/>
           <ac:picMkLst>
             <pc:docMk/>
             <pc:sldMk cId="3380413336" sldId="256"/>
             <ac:picMk id="14" creationId="{742D227A-62F4-40C1-A95B-04B8A8463A43}"/>
           </ac:picMkLst>
         </pc:picChg>
+        <pc:picChg chg="add del mod">
+          <ac:chgData name="SEAN O SHAUGHNESSY" userId="a004033b-e469-4598-a356-e8f21e5794ca" providerId="ADAL" clId="{01F1FDBB-E548-4689-B6E9-9BB78E81F5C6}" dt="2021-05-11T12:15:24.864" v="343" actId="478"/>
+          <ac:picMkLst>
+            <pc:docMk/>
+            <pc:sldMk cId="3380413336" sldId="256"/>
+            <ac:picMk id="16" creationId="{18C2137B-FA17-4C07-BB52-57A41BC0ADA5}"/>
+          </ac:picMkLst>
+        </pc:picChg>
         <pc:picChg chg="add mod">
-          <ac:chgData name="SEAN O SHAUGHNESSY" userId="a004033b-e469-4598-a356-e8f21e5794ca" providerId="ADAL" clId="{01F1FDBB-E548-4689-B6E9-9BB78E81F5C6}" dt="2021-04-13T20:31:32.960" v="278" actId="14100"/>
+          <ac:chgData name="SEAN O SHAUGHNESSY" userId="a004033b-e469-4598-a356-e8f21e5794ca" providerId="ADAL" clId="{01F1FDBB-E548-4689-B6E9-9BB78E81F5C6}" dt="2021-05-11T12:18:27.218" v="370" actId="1076"/>
           <ac:picMkLst>
             <pc:docMk/>
             <pc:sldMk cId="3380413336" sldId="256"/>
             <ac:picMk id="17" creationId="{726D4904-B2E5-40FB-9D78-BAB8634FDDBF}"/>
+          </ac:picMkLst>
+        </pc:picChg>
+        <pc:picChg chg="add del mod">
+          <ac:chgData name="SEAN O SHAUGHNESSY" userId="a004033b-e469-4598-a356-e8f21e5794ca" providerId="ADAL" clId="{01F1FDBB-E548-4689-B6E9-9BB78E81F5C6}" dt="2021-05-11T12:05:18.317" v="336" actId="478"/>
+          <ac:picMkLst>
+            <pc:docMk/>
+            <pc:sldMk cId="3380413336" sldId="256"/>
+            <ac:picMk id="18" creationId="{C3A11E68-F167-4297-8541-06092C57AE2C}"/>
           </ac:picMkLst>
         </pc:picChg>
         <pc:picChg chg="add mod">
@@ -2073,7 +2129,7 @@
           <a:p>
             <a:fld id="{247695CE-28BA-4B3F-BCA9-9165D0C1E606}" type="datetimeFigureOut">
               <a:rPr lang="en-IE" smtClean="0"/>
-              <a:t>20/04/2021</a:t>
+              <a:t>11/05/2021</a:t>
             </a:fld>
             <a:endParaRPr lang="en-IE"/>
           </a:p>
@@ -6706,7 +6762,7 @@
           <a:p>
             <a:fld id="{53F07E90-D1E2-4AD9-AA15-2531F20A942B}" type="datetimeFigureOut">
               <a:rPr lang="en-IE" smtClean="0"/>
-              <a:t>20/04/2021</a:t>
+              <a:t>11/05/2021</a:t>
             </a:fld>
             <a:endParaRPr lang="en-IE"/>
           </a:p>
@@ -6973,7 +7029,7 @@
           <a:p>
             <a:fld id="{53F07E90-D1E2-4AD9-AA15-2531F20A942B}" type="datetimeFigureOut">
               <a:rPr lang="en-IE" smtClean="0"/>
-              <a:t>20/04/2021</a:t>
+              <a:t>11/05/2021</a:t>
             </a:fld>
             <a:endParaRPr lang="en-IE"/>
           </a:p>
@@ -7169,7 +7225,7 @@
           <a:p>
             <a:fld id="{53F07E90-D1E2-4AD9-AA15-2531F20A942B}" type="datetimeFigureOut">
               <a:rPr lang="en-IE" smtClean="0"/>
-              <a:t>20/04/2021</a:t>
+              <a:t>11/05/2021</a:t>
             </a:fld>
             <a:endParaRPr lang="en-IE"/>
           </a:p>
@@ -7432,7 +7488,7 @@
           <a:p>
             <a:fld id="{53F07E90-D1E2-4AD9-AA15-2531F20A942B}" type="datetimeFigureOut">
               <a:rPr lang="en-IE" smtClean="0"/>
-              <a:t>20/04/2021</a:t>
+              <a:t>11/05/2021</a:t>
             </a:fld>
             <a:endParaRPr lang="en-IE"/>
           </a:p>
@@ -7866,7 +7922,7 @@
           <a:p>
             <a:fld id="{53F07E90-D1E2-4AD9-AA15-2531F20A942B}" type="datetimeFigureOut">
               <a:rPr lang="en-IE" smtClean="0"/>
-              <a:t>20/04/2021</a:t>
+              <a:t>11/05/2021</a:t>
             </a:fld>
             <a:endParaRPr lang="en-IE"/>
           </a:p>
@@ -8412,7 +8468,7 @@
           <a:p>
             <a:fld id="{53F07E90-D1E2-4AD9-AA15-2531F20A942B}" type="datetimeFigureOut">
               <a:rPr lang="en-IE" smtClean="0"/>
-              <a:t>20/04/2021</a:t>
+              <a:t>11/05/2021</a:t>
             </a:fld>
             <a:endParaRPr lang="en-IE"/>
           </a:p>
@@ -9132,7 +9188,7 @@
           <a:p>
             <a:fld id="{53F07E90-D1E2-4AD9-AA15-2531F20A942B}" type="datetimeFigureOut">
               <a:rPr lang="en-IE" smtClean="0"/>
-              <a:t>20/04/2021</a:t>
+              <a:t>11/05/2021</a:t>
             </a:fld>
             <a:endParaRPr lang="en-IE"/>
           </a:p>
@@ -9302,7 +9358,7 @@
           <a:p>
             <a:fld id="{53F07E90-D1E2-4AD9-AA15-2531F20A942B}" type="datetimeFigureOut">
               <a:rPr lang="en-IE" smtClean="0"/>
-              <a:t>20/04/2021</a:t>
+              <a:t>11/05/2021</a:t>
             </a:fld>
             <a:endParaRPr lang="en-IE"/>
           </a:p>
@@ -9482,7 +9538,7 @@
           <a:p>
             <a:fld id="{53F07E90-D1E2-4AD9-AA15-2531F20A942B}" type="datetimeFigureOut">
               <a:rPr lang="en-IE" smtClean="0"/>
-              <a:t>20/04/2021</a:t>
+              <a:t>11/05/2021</a:t>
             </a:fld>
             <a:endParaRPr lang="en-IE"/>
           </a:p>
@@ -9652,7 +9708,7 @@
           <a:p>
             <a:fld id="{53F07E90-D1E2-4AD9-AA15-2531F20A942B}" type="datetimeFigureOut">
               <a:rPr lang="en-IE" smtClean="0"/>
-              <a:t>20/04/2021</a:t>
+              <a:t>11/05/2021</a:t>
             </a:fld>
             <a:endParaRPr lang="en-IE"/>
           </a:p>
@@ -9902,7 +9958,7 @@
           <a:p>
             <a:fld id="{53F07E90-D1E2-4AD9-AA15-2531F20A942B}" type="datetimeFigureOut">
               <a:rPr lang="en-IE" smtClean="0"/>
-              <a:t>20/04/2021</a:t>
+              <a:t>11/05/2021</a:t>
             </a:fld>
             <a:endParaRPr lang="en-IE"/>
           </a:p>
@@ -10134,7 +10190,7 @@
           <a:p>
             <a:fld id="{53F07E90-D1E2-4AD9-AA15-2531F20A942B}" type="datetimeFigureOut">
               <a:rPr lang="en-IE" smtClean="0"/>
-              <a:t>20/04/2021</a:t>
+              <a:t>11/05/2021</a:t>
             </a:fld>
             <a:endParaRPr lang="en-IE"/>
           </a:p>
@@ -10515,7 +10571,7 @@
           <a:p>
             <a:fld id="{53F07E90-D1E2-4AD9-AA15-2531F20A942B}" type="datetimeFigureOut">
               <a:rPr lang="en-IE" smtClean="0"/>
-              <a:t>20/04/2021</a:t>
+              <a:t>11/05/2021</a:t>
             </a:fld>
             <a:endParaRPr lang="en-IE"/>
           </a:p>
@@ -10633,7 +10689,7 @@
           <a:p>
             <a:fld id="{53F07E90-D1E2-4AD9-AA15-2531F20A942B}" type="datetimeFigureOut">
               <a:rPr lang="en-IE" smtClean="0"/>
-              <a:t>20/04/2021</a:t>
+              <a:t>11/05/2021</a:t>
             </a:fld>
             <a:endParaRPr lang="en-IE"/>
           </a:p>
@@ -10728,7 +10784,7 @@
           <a:p>
             <a:fld id="{53F07E90-D1E2-4AD9-AA15-2531F20A942B}" type="datetimeFigureOut">
               <a:rPr lang="en-IE" smtClean="0"/>
-              <a:t>20/04/2021</a:t>
+              <a:t>11/05/2021</a:t>
             </a:fld>
             <a:endParaRPr lang="en-IE"/>
           </a:p>
@@ -10977,7 +11033,7 @@
           <a:p>
             <a:fld id="{53F07E90-D1E2-4AD9-AA15-2531F20A942B}" type="datetimeFigureOut">
               <a:rPr lang="en-IE" smtClean="0"/>
-              <a:t>20/04/2021</a:t>
+              <a:t>11/05/2021</a:t>
             </a:fld>
             <a:endParaRPr lang="en-IE"/>
           </a:p>
@@ -11257,7 +11313,7 @@
           <a:p>
             <a:fld id="{53F07E90-D1E2-4AD9-AA15-2531F20A942B}" type="datetimeFigureOut">
               <a:rPr lang="en-IE" smtClean="0"/>
-              <a:t>20/04/2021</a:t>
+              <a:t>11/05/2021</a:t>
             </a:fld>
             <a:endParaRPr lang="en-IE"/>
           </a:p>
@@ -14334,7 +14390,7 @@
           <a:p>
             <a:fld id="{53F07E90-D1E2-4AD9-AA15-2531F20A942B}" type="datetimeFigureOut">
               <a:rPr lang="en-IE" smtClean="0"/>
-              <a:t>20/04/2021</a:t>
+              <a:t>11/05/2021</a:t>
             </a:fld>
             <a:endParaRPr lang="en-IE"/>
           </a:p>
@@ -14944,41 +15000,6 @@
           </a:p>
         </p:txBody>
       </p:sp>
-      <p:pic>
-        <p:nvPicPr>
-          <p:cNvPr id="14" name="Picture 13" descr="Diagram&#10;&#10;Description automatically generated">
-            <a:extLst>
-              <a:ext uri="{FF2B5EF4-FFF2-40B4-BE49-F238E27FC236}">
-                <a16:creationId xmlns:a16="http://schemas.microsoft.com/office/drawing/2014/main" id="{742D227A-62F4-40C1-A95B-04B8A8463A43}"/>
-              </a:ext>
-            </a:extLst>
-          </p:cNvPr>
-          <p:cNvPicPr>
-            <a:picLocks noChangeAspect="1"/>
-          </p:cNvPicPr>
-          <p:nvPr/>
-        </p:nvPicPr>
-        <p:blipFill rotWithShape="1">
-          <a:blip r:embed="rId4">
-            <a:extLst>
-              <a:ext uri="{28A0092B-C50C-407E-A947-70E740481C1C}">
-                <a14:useLocalDpi xmlns:a14="http://schemas.microsoft.com/office/drawing/2010/main" val="0"/>
-              </a:ext>
-            </a:extLst>
-          </a:blip>
-          <a:srcRect l="1737" t="3201" r="3707" b="8642"/>
-          <a:stretch/>
-        </p:blipFill>
-        <p:spPr>
-          <a:xfrm>
-            <a:off x="4691129" y="1942913"/>
-            <a:ext cx="8371036" cy="3731742"/>
-          </a:xfrm>
-          <a:prstGeom prst="rect">
-            <a:avLst/>
-          </a:prstGeom>
-        </p:spPr>
-      </p:pic>
       <p:sp>
         <p:nvSpPr>
           <p:cNvPr id="15" name="TextBox 14">
@@ -15041,7 +15062,7 @@
           <p:nvPr/>
         </p:nvPicPr>
         <p:blipFill>
-          <a:blip r:embed="rId5">
+          <a:blip r:embed="rId4">
             <a:extLst>
               <a:ext uri="{28A0092B-C50C-407E-A947-70E740481C1C}">
                 <a14:useLocalDpi xmlns:a14="http://schemas.microsoft.com/office/drawing/2010/main" val="0"/>
@@ -15076,8 +15097,8 @@
         </p:nvSpPr>
         <p:spPr>
           <a:xfrm>
-            <a:off x="3154773" y="5778917"/>
-            <a:ext cx="5049847" cy="2683288"/>
+            <a:off x="2471586" y="5991448"/>
+            <a:ext cx="4508626" cy="2349579"/>
           </a:xfrm>
           <a:prstGeom prst="roundRect">
             <a:avLst/>
@@ -15101,7 +15122,7 @@
           <a:p>
             <a:pPr algn="ctr"/>
             <a:r>
-              <a:rPr lang="en-US" sz="2400" b="1" dirty="0">
+              <a:rPr lang="en-US" sz="2000" b="1" dirty="0">
                 <a:solidFill>
                   <a:schemeClr val="bg1"/>
                 </a:solidFill>
@@ -15112,7 +15133,7 @@
           <a:p>
             <a:pPr algn="ctr"/>
             <a:r>
-              <a:rPr lang="en-US" dirty="0">
+              <a:rPr lang="en-US" sz="1600" dirty="0">
                 <a:solidFill>
                   <a:schemeClr val="bg1"/>
                 </a:solidFill>
@@ -15136,8 +15157,8 @@
         </p:nvSpPr>
         <p:spPr>
           <a:xfrm>
-            <a:off x="1364731" y="1942913"/>
-            <a:ext cx="3102443" cy="3768337"/>
+            <a:off x="1492901" y="2115630"/>
+            <a:ext cx="3102443" cy="3611078"/>
           </a:xfrm>
           <a:prstGeom prst="roundRect">
             <a:avLst/>
@@ -15170,7 +15191,7 @@
           <a:p>
             <a:pPr algn="ctr"/>
             <a:r>
-              <a:rPr lang="en-US" sz="2400" b="1" dirty="0">
+              <a:rPr lang="en-US" sz="2000" b="1" dirty="0">
                 <a:solidFill>
                   <a:schemeClr val="bg1"/>
                 </a:solidFill>
@@ -15184,7 +15205,7 @@
               <a:buChar char="•"/>
             </a:pPr>
             <a:r>
-              <a:rPr lang="en-IE" dirty="0">
+              <a:rPr lang="en-IE" sz="1600" dirty="0">
                 <a:solidFill>
                   <a:schemeClr val="bg1"/>
                 </a:solidFill>
@@ -15198,7 +15219,7 @@
               <a:buChar char="•"/>
             </a:pPr>
             <a:r>
-              <a:rPr lang="en-IE" dirty="0">
+              <a:rPr lang="en-IE" sz="1600" dirty="0">
                 <a:solidFill>
                   <a:schemeClr val="bg1"/>
                 </a:solidFill>
@@ -15212,7 +15233,7 @@
               <a:buChar char="•"/>
             </a:pPr>
             <a:r>
-              <a:rPr lang="en-IE" dirty="0">
+              <a:rPr lang="en-IE" sz="1600" dirty="0">
                 <a:solidFill>
                   <a:schemeClr val="bg1"/>
                 </a:solidFill>
@@ -15226,7 +15247,7 @@
               <a:buChar char="•"/>
             </a:pPr>
             <a:r>
-              <a:rPr lang="en-IE" dirty="0">
+              <a:rPr lang="en-IE" sz="1600" dirty="0">
                 <a:solidFill>
                   <a:schemeClr val="bg1"/>
                 </a:solidFill>
@@ -15237,7 +15258,7 @@
           <a:p>
             <a:pPr algn="ctr"/>
             <a:r>
-              <a:rPr lang="en-IE" sz="2400" b="1" dirty="0">
+              <a:rPr lang="en-IE" sz="2000" b="1" dirty="0">
                 <a:solidFill>
                   <a:schemeClr val="bg1"/>
                 </a:solidFill>
@@ -15254,7 +15275,7 @@
               <a:buChar char="•"/>
             </a:pPr>
             <a:r>
-              <a:rPr lang="en-IE" sz="1800" dirty="0">
+              <a:rPr lang="en-IE" sz="1600" dirty="0">
                 <a:effectLst/>
                 <a:ea typeface="Calibri" panose="020F0502020204030204" pitchFamily="34" charset="0"/>
                 <a:cs typeface="Times New Roman" panose="02020603050405020304" pitchFamily="18" charset="0"/>
@@ -15271,7 +15292,7 @@
               <a:buChar char="•"/>
             </a:pPr>
             <a:r>
-              <a:rPr lang="en-IE" sz="1800" dirty="0">
+              <a:rPr lang="en-IE" sz="1600" dirty="0">
                 <a:effectLst/>
                 <a:ea typeface="Calibri" panose="020F0502020204030204" pitchFamily="34" charset="0"/>
                 <a:cs typeface="Times New Roman" panose="02020603050405020304" pitchFamily="18" charset="0"/>
@@ -15288,13 +15309,34 @@
               <a:buChar char="•"/>
             </a:pPr>
             <a:r>
-              <a:rPr lang="en-IE" sz="1800" dirty="0">
+              <a:rPr lang="en-IE" sz="1600" dirty="0">
                 <a:effectLst/>
                 <a:ea typeface="Calibri" panose="020F0502020204030204" pitchFamily="34" charset="0"/>
                 <a:cs typeface="Times New Roman" panose="02020603050405020304" pitchFamily="18" charset="0"/>
               </a:rPr>
               <a:t>Wi-Fi Interface chip</a:t>
             </a:r>
+          </a:p>
+          <a:p>
+            <a:pPr marL="285750" lvl="0" indent="-285750">
+              <a:lnSpc>
+                <a:spcPct val="107000"/>
+              </a:lnSpc>
+              <a:buFont typeface="Arial" panose="020B0604020202020204" pitchFamily="34" charset="0"/>
+              <a:buChar char="•"/>
+            </a:pPr>
+            <a:r>
+              <a:rPr lang="en-IE" sz="1600" dirty="0">
+                <a:ea typeface="Calibri" panose="020F0502020204030204" pitchFamily="34" charset="0"/>
+                <a:cs typeface="Times New Roman" panose="02020603050405020304" pitchFamily="18" charset="0"/>
+              </a:rPr>
+              <a:t>Can Bus Transceiver</a:t>
+            </a:r>
+            <a:endParaRPr lang="en-IE" sz="1600" dirty="0">
+              <a:effectLst/>
+              <a:ea typeface="Calibri" panose="020F0502020204030204" pitchFamily="34" charset="0"/>
+              <a:cs typeface="Times New Roman" panose="02020603050405020304" pitchFamily="18" charset="0"/>
+            </a:endParaRPr>
           </a:p>
           <a:p>
             <a:pPr marL="285750" lvl="0" indent="-285750">
@@ -15308,7 +15350,7 @@
               <a:buChar char="•"/>
             </a:pPr>
             <a:r>
-              <a:rPr lang="en-IE" sz="1800" dirty="0">
+              <a:rPr lang="en-IE" sz="1600" dirty="0">
                 <a:effectLst/>
                 <a:ea typeface="Calibri" panose="020F0502020204030204" pitchFamily="34" charset="0"/>
                 <a:cs typeface="Times New Roman" panose="02020603050405020304" pitchFamily="18" charset="0"/>
@@ -15332,8 +15374,8 @@
         </p:nvSpPr>
         <p:spPr>
           <a:xfrm>
-            <a:off x="12801410" y="1876468"/>
-            <a:ext cx="4410991" cy="461665"/>
+            <a:off x="13997703" y="1898915"/>
+            <a:ext cx="3321917" cy="461665"/>
           </a:xfrm>
           <a:prstGeom prst="rect">
             <a:avLst/>
@@ -15363,42 +15405,6 @@
           </a:p>
         </p:txBody>
       </p:sp>
-      <p:pic>
-        <p:nvPicPr>
-          <p:cNvPr id="9" name="Picture 8" descr="A screenshot of a cell phone&#10;&#10;Description automatically generated with medium confidence">
-            <a:extLst>
-              <a:ext uri="{FF2B5EF4-FFF2-40B4-BE49-F238E27FC236}">
-                <a16:creationId xmlns:a16="http://schemas.microsoft.com/office/drawing/2014/main" id="{5C8D146C-D026-40AE-B27B-25FE275958DA}"/>
-              </a:ext>
-            </a:extLst>
-          </p:cNvPr>
-          <p:cNvPicPr>
-            <a:picLocks noChangeAspect="1"/>
-          </p:cNvPicPr>
-          <p:nvPr/>
-        </p:nvPicPr>
-        <p:blipFill>
-          <a:blip r:embed="rId6">
-            <a:extLst>
-              <a:ext uri="{28A0092B-C50C-407E-A947-70E740481C1C}">
-                <a14:useLocalDpi xmlns:a14="http://schemas.microsoft.com/office/drawing/2010/main" val="0"/>
-              </a:ext>
-            </a:extLst>
-          </a:blip>
-          <a:stretch>
-            <a:fillRect/>
-          </a:stretch>
-        </p:blipFill>
-        <p:spPr>
-          <a:xfrm>
-            <a:off x="13535548" y="2378182"/>
-            <a:ext cx="2942716" cy="5390992"/>
-          </a:xfrm>
-          <a:prstGeom prst="rect">
-            <a:avLst/>
-          </a:prstGeom>
-        </p:spPr>
-      </p:pic>
       <p:pic>
         <p:nvPicPr>
           <p:cNvPr id="17" name="Picture 16" descr="Logo&#10;&#10;Description automatically generated">
@@ -15414,7 +15420,7 @@
           <p:nvPr/>
         </p:nvPicPr>
         <p:blipFill>
-          <a:blip r:embed="rId7">
+          <a:blip r:embed="rId5">
             <a:extLst>
               <a:ext uri="{28A0092B-C50C-407E-A947-70E740481C1C}">
                 <a14:useLocalDpi xmlns:a14="http://schemas.microsoft.com/office/drawing/2010/main" val="0"/>
@@ -15427,7 +15433,7 @@
         </p:blipFill>
         <p:spPr>
           <a:xfrm>
-            <a:off x="3533146" y="8340811"/>
+            <a:off x="3314184" y="8324217"/>
             <a:ext cx="4304495" cy="1309720"/>
           </a:xfrm>
           <a:prstGeom prst="rect">
@@ -15450,7 +15456,7 @@
           <p:nvPr/>
         </p:nvPicPr>
         <p:blipFill>
-          <a:blip r:embed="rId8">
+          <a:blip r:embed="rId6">
             <a:extLst>
               <a:ext uri="{28A0092B-C50C-407E-A947-70E740481C1C}">
                 <a14:useLocalDpi xmlns:a14="http://schemas.microsoft.com/office/drawing/2010/main" val="0"/>
@@ -15486,7 +15492,7 @@
           <p:nvPr/>
         </p:nvPicPr>
         <p:blipFill>
-          <a:blip r:embed="rId9">
+          <a:blip r:embed="rId7">
             <a:extLst>
               <a:ext uri="{28A0092B-C50C-407E-A947-70E740481C1C}">
                 <a14:useLocalDpi xmlns:a14="http://schemas.microsoft.com/office/drawing/2010/main" val="0"/>
@@ -15509,10 +15515,45 @@
       </p:pic>
       <p:pic>
         <p:nvPicPr>
-          <p:cNvPr id="5" name="Picture 4">
+          <p:cNvPr id="4" name="Picture 3" descr="Diagram&#10;&#10;Description automatically generated">
             <a:extLst>
               <a:ext uri="{FF2B5EF4-FFF2-40B4-BE49-F238E27FC236}">
-                <a16:creationId xmlns:a16="http://schemas.microsoft.com/office/drawing/2014/main" id="{37960366-151B-4B2C-9CE4-7EBE52A330AB}"/>
+                <a16:creationId xmlns:a16="http://schemas.microsoft.com/office/drawing/2014/main" id="{6B69DDD4-4176-4029-88B2-3400CD2ABE77}"/>
+              </a:ext>
+            </a:extLst>
+          </p:cNvPr>
+          <p:cNvPicPr>
+            <a:picLocks noChangeAspect="1"/>
+          </p:cNvPicPr>
+          <p:nvPr/>
+        </p:nvPicPr>
+        <p:blipFill rotWithShape="1">
+          <a:blip r:embed="rId8">
+            <a:extLst>
+              <a:ext uri="{28A0092B-C50C-407E-A947-70E740481C1C}">
+                <a14:useLocalDpi xmlns:a14="http://schemas.microsoft.com/office/drawing/2010/main" val="0"/>
+              </a:ext>
+            </a:extLst>
+          </a:blip>
+          <a:srcRect l="1545" t="2227" r="2798" b="15759"/>
+          <a:stretch/>
+        </p:blipFill>
+        <p:spPr>
+          <a:xfrm>
+            <a:off x="4769148" y="2023386"/>
+            <a:ext cx="9226609" cy="3703322"/>
+          </a:xfrm>
+          <a:prstGeom prst="rect">
+            <a:avLst/>
+          </a:prstGeom>
+        </p:spPr>
+      </p:pic>
+      <p:pic>
+        <p:nvPicPr>
+          <p:cNvPr id="11" name="Picture 10" descr="A screenshot of a cell phone&#10;&#10;Description automatically generated with medium confidence">
+            <a:extLst>
+              <a:ext uri="{FF2B5EF4-FFF2-40B4-BE49-F238E27FC236}">
+                <a16:creationId xmlns:a16="http://schemas.microsoft.com/office/drawing/2014/main" id="{7311FD27-72C0-40D4-B8D4-C4591CCD8433}"/>
               </a:ext>
             </a:extLst>
           </p:cNvPr>
@@ -15522,15 +15563,50 @@
           <p:nvPr/>
         </p:nvPicPr>
         <p:blipFill>
-          <a:blip r:embed="rId10"/>
+          <a:blip r:embed="rId9">
+            <a:extLst>
+              <a:ext uri="{28A0092B-C50C-407E-A947-70E740481C1C}">
+                <a14:useLocalDpi xmlns:a14="http://schemas.microsoft.com/office/drawing/2010/main" val="0"/>
+              </a:ext>
+            </a:extLst>
+          </a:blip>
           <a:stretch>
             <a:fillRect/>
           </a:stretch>
         </p:blipFill>
         <p:spPr>
           <a:xfrm>
-            <a:off x="8940523" y="5950302"/>
-            <a:ext cx="3938941" cy="3413749"/>
+            <a:off x="14343364" y="2374401"/>
+            <a:ext cx="2630596" cy="5412375"/>
+          </a:xfrm>
+          <a:prstGeom prst="rect">
+            <a:avLst/>
+          </a:prstGeom>
+        </p:spPr>
+      </p:pic>
+      <p:pic>
+        <p:nvPicPr>
+          <p:cNvPr id="10" name="Picture 9">
+            <a:extLst>
+              <a:ext uri="{FF2B5EF4-FFF2-40B4-BE49-F238E27FC236}">
+                <a16:creationId xmlns:a16="http://schemas.microsoft.com/office/drawing/2014/main" id="{571716E6-0F94-4264-98F2-65810B73E1F5}"/>
+              </a:ext>
+            </a:extLst>
+          </p:cNvPr>
+          <p:cNvPicPr>
+            <a:picLocks noChangeAspect="1"/>
+          </p:cNvPicPr>
+          <p:nvPr/>
+        </p:nvPicPr>
+        <p:blipFill rotWithShape="1">
+          <a:blip r:embed="rId10"/>
+          <a:srcRect b="15265"/>
+          <a:stretch/>
+        </p:blipFill>
+        <p:spPr>
+          <a:xfrm>
+            <a:off x="7154015" y="5989160"/>
+            <a:ext cx="7058795" cy="2335057"/>
           </a:xfrm>
           <a:prstGeom prst="rect">
             <a:avLst/>
